--- a/Layout-openDA_RRMDA_Themi.pptx
+++ b/Layout-openDA_RRMDA_Themi.pptx
@@ -212,7 +212,7 @@
           <a:p>
             <a:fld id="{796EC12A-D2D7-B342-A807-00A91177731C}" type="datetimeFigureOut">
               <a:rPr lang="en-US" smtClean="0"/>
-              <a:t>10/12/15</a:t>
+              <a:t>10/14/15</a:t>
             </a:fld>
             <a:endParaRPr lang="en-US"/>
           </a:p>
@@ -863,7 +863,7 @@
           <a:p>
             <a:fld id="{F3A4439B-FCAC-0540-BC1B-DAE173A0DB32}" type="datetimeFigureOut">
               <a:rPr lang="en-US" smtClean="0"/>
-              <a:t>10/12/15</a:t>
+              <a:t>10/14/15</a:t>
             </a:fld>
             <a:endParaRPr lang="en-US"/>
           </a:p>
@@ -1033,7 +1033,7 @@
           <a:p>
             <a:fld id="{F3A4439B-FCAC-0540-BC1B-DAE173A0DB32}" type="datetimeFigureOut">
               <a:rPr lang="en-US" smtClean="0"/>
-              <a:t>10/12/15</a:t>
+              <a:t>10/14/15</a:t>
             </a:fld>
             <a:endParaRPr lang="en-US"/>
           </a:p>
@@ -1213,7 +1213,7 @@
           <a:p>
             <a:fld id="{F3A4439B-FCAC-0540-BC1B-DAE173A0DB32}" type="datetimeFigureOut">
               <a:rPr lang="en-US" smtClean="0"/>
-              <a:t>10/12/15</a:t>
+              <a:t>10/14/15</a:t>
             </a:fld>
             <a:endParaRPr lang="en-US"/>
           </a:p>
@@ -1383,7 +1383,7 @@
           <a:p>
             <a:fld id="{F3A4439B-FCAC-0540-BC1B-DAE173A0DB32}" type="datetimeFigureOut">
               <a:rPr lang="en-US" smtClean="0"/>
-              <a:t>10/12/15</a:t>
+              <a:t>10/14/15</a:t>
             </a:fld>
             <a:endParaRPr lang="en-US"/>
           </a:p>
@@ -1627,7 +1627,7 @@
           <a:p>
             <a:fld id="{F3A4439B-FCAC-0540-BC1B-DAE173A0DB32}" type="datetimeFigureOut">
               <a:rPr lang="en-US" smtClean="0"/>
-              <a:t>10/12/15</a:t>
+              <a:t>10/14/15</a:t>
             </a:fld>
             <a:endParaRPr lang="en-US"/>
           </a:p>
@@ -1859,7 +1859,7 @@
           <a:p>
             <a:fld id="{F3A4439B-FCAC-0540-BC1B-DAE173A0DB32}" type="datetimeFigureOut">
               <a:rPr lang="en-US" smtClean="0"/>
-              <a:t>10/12/15</a:t>
+              <a:t>10/14/15</a:t>
             </a:fld>
             <a:endParaRPr lang="en-US"/>
           </a:p>
@@ -2226,7 +2226,7 @@
           <a:p>
             <a:fld id="{F3A4439B-FCAC-0540-BC1B-DAE173A0DB32}" type="datetimeFigureOut">
               <a:rPr lang="en-US" smtClean="0"/>
-              <a:t>10/12/15</a:t>
+              <a:t>10/14/15</a:t>
             </a:fld>
             <a:endParaRPr lang="en-US"/>
           </a:p>
@@ -2344,7 +2344,7 @@
           <a:p>
             <a:fld id="{F3A4439B-FCAC-0540-BC1B-DAE173A0DB32}" type="datetimeFigureOut">
               <a:rPr lang="en-US" smtClean="0"/>
-              <a:t>10/12/15</a:t>
+              <a:t>10/14/15</a:t>
             </a:fld>
             <a:endParaRPr lang="en-US"/>
           </a:p>
@@ -2439,7 +2439,7 @@
           <a:p>
             <a:fld id="{F3A4439B-FCAC-0540-BC1B-DAE173A0DB32}" type="datetimeFigureOut">
               <a:rPr lang="en-US" smtClean="0"/>
-              <a:t>10/12/15</a:t>
+              <a:t>10/14/15</a:t>
             </a:fld>
             <a:endParaRPr lang="en-US"/>
           </a:p>
@@ -2716,7 +2716,7 @@
           <a:p>
             <a:fld id="{F3A4439B-FCAC-0540-BC1B-DAE173A0DB32}" type="datetimeFigureOut">
               <a:rPr lang="en-US" smtClean="0"/>
-              <a:t>10/12/15</a:t>
+              <a:t>10/14/15</a:t>
             </a:fld>
             <a:endParaRPr lang="en-US"/>
           </a:p>
@@ -2973,7 +2973,7 @@
           <a:p>
             <a:fld id="{F3A4439B-FCAC-0540-BC1B-DAE173A0DB32}" type="datetimeFigureOut">
               <a:rPr lang="en-US" smtClean="0"/>
-              <a:t>10/12/15</a:t>
+              <a:t>10/14/15</a:t>
             </a:fld>
             <a:endParaRPr lang="en-US"/>
           </a:p>
@@ -3186,7 +3186,7 @@
           <a:p>
             <a:fld id="{F3A4439B-FCAC-0540-BC1B-DAE173A0DB32}" type="datetimeFigureOut">
               <a:rPr lang="en-US" smtClean="0"/>
-              <a:t>10/12/15</a:t>
+              <a:t>10/14/15</a:t>
             </a:fld>
             <a:endParaRPr lang="en-US"/>
           </a:p>
@@ -4709,11 +4709,17 @@
             </a:r>
             <a:r>
               <a:rPr lang="en-US" dirty="0" smtClean="0"/>
-              <a:t>. </a:t>
-            </a:r>
-            <a:r>
-              <a:rPr lang="en-US" smtClean="0"/>
-              <a:t>not implemented currently.</a:t>
+              <a:t>. not implemented currently</a:t>
+            </a:r>
+            <a:r>
+              <a:rPr lang="en-US" dirty="0" smtClean="0"/>
+              <a:t>.</a:t>
+            </a:r>
+          </a:p>
+          <a:p>
+            <a:r>
+              <a:rPr lang="en-US" dirty="0" smtClean="0"/>
+              <a:t>observation reader</a:t>
             </a:r>
             <a:endParaRPr lang="en-US" dirty="0" smtClean="0"/>
           </a:p>
@@ -4766,7 +4772,11 @@
           <a:p>
             <a:r>
               <a:rPr lang="en-US" dirty="0" smtClean="0"/>
-              <a:t>set up method</a:t>
+              <a:t>python set </a:t>
+            </a:r>
+            <a:r>
+              <a:rPr lang="en-US" dirty="0" smtClean="0"/>
+              <a:t>up method</a:t>
             </a:r>
             <a:endParaRPr lang="en-US" dirty="0"/>
           </a:p>
@@ -4787,6 +4797,37 @@
           <a:bodyPr/>
           <a:lstStyle/>
           <a:p>
+            <a:r>
+              <a:rPr lang="en-US" dirty="0" smtClean="0"/>
+              <a:t>Copy needed input files to input directory</a:t>
+            </a:r>
+            <a:endParaRPr lang="en-US" dirty="0"/>
+          </a:p>
+          <a:p>
+            <a:r>
+              <a:rPr lang="en-US" dirty="0" smtClean="0"/>
+              <a:t>Adapt </a:t>
+            </a:r>
+            <a:r>
+              <a:rPr lang="en-US" dirty="0" err="1" smtClean="0"/>
+              <a:t>restartInFile</a:t>
+            </a:r>
+            <a:r>
+              <a:rPr lang="en-US" dirty="0" smtClean="0"/>
+              <a:t> in </a:t>
+            </a:r>
+            <a:r>
+              <a:rPr lang="en-US" dirty="0" err="1"/>
+              <a:t>RRMDA.oda</a:t>
+            </a:r>
+            <a:r>
+              <a:rPr lang="en-US" dirty="0"/>
+              <a:t> file at each time step</a:t>
+            </a:r>
+            <a:r>
+              <a:rPr lang="en-US" dirty="0" smtClean="0"/>
+              <a:t>.</a:t>
+            </a:r>
             <a:endParaRPr lang="en-US" dirty="0"/>
           </a:p>
         </p:txBody>
@@ -4838,7 +4879,15 @@
           <a:p>
             <a:r>
               <a:rPr lang="en-US" dirty="0" smtClean="0"/>
-              <a:t>clean up method</a:t>
+              <a:t>clean up </a:t>
+            </a:r>
+            <a:r>
+              <a:rPr lang="en-US" dirty="0" smtClean="0"/>
+              <a:t>method, possibly call from within </a:t>
+            </a:r>
+            <a:r>
+              <a:rPr lang="en-US" dirty="0" err="1" smtClean="0"/>
+              <a:t>openDA</a:t>
             </a:r>
             <a:endParaRPr lang="en-US" dirty="0"/>
           </a:p>

--- a/Layout-openDA_RRMDA_Themi.pptx
+++ b/Layout-openDA_RRMDA_Themi.pptx
@@ -4827,6 +4827,24 @@
             <a:r>
               <a:rPr lang="en-US" dirty="0" smtClean="0"/>
               <a:t>.</a:t>
+            </a:r>
+          </a:p>
+          <a:p>
+            <a:r>
+              <a:rPr lang="en-US" dirty="0" smtClean="0"/>
+              <a:t>Copy observation file  (</a:t>
+            </a:r>
+            <a:r>
+              <a:rPr lang="en-US" dirty="0" err="1" smtClean="0"/>
+              <a:t>iMoMo</a:t>
+            </a:r>
+            <a:r>
+              <a:rPr lang="en-US" dirty="0" smtClean="0"/>
+              <a:t>) to observer and rewrite </a:t>
+            </a:r>
+            <a:r>
+              <a:rPr lang="en-US" smtClean="0"/>
+              <a:t>the configuration file. </a:t>
             </a:r>
             <a:endParaRPr lang="en-US" dirty="0"/>
           </a:p>

--- a/Layout-openDA_RRMDA_Themi.pptx
+++ b/Layout-openDA_RRMDA_Themi.pptx
@@ -212,7 +212,7 @@
           <a:p>
             <a:fld id="{796EC12A-D2D7-B342-A807-00A91177731C}" type="datetimeFigureOut">
               <a:rPr lang="en-US" smtClean="0"/>
-              <a:t>10/14/15</a:t>
+              <a:t>12/16/15</a:t>
             </a:fld>
             <a:endParaRPr lang="en-US"/>
           </a:p>
@@ -863,7 +863,7 @@
           <a:p>
             <a:fld id="{F3A4439B-FCAC-0540-BC1B-DAE173A0DB32}" type="datetimeFigureOut">
               <a:rPr lang="en-US" smtClean="0"/>
-              <a:t>10/14/15</a:t>
+              <a:t>12/16/15</a:t>
             </a:fld>
             <a:endParaRPr lang="en-US"/>
           </a:p>
@@ -1033,7 +1033,7 @@
           <a:p>
             <a:fld id="{F3A4439B-FCAC-0540-BC1B-DAE173A0DB32}" type="datetimeFigureOut">
               <a:rPr lang="en-US" smtClean="0"/>
-              <a:t>10/14/15</a:t>
+              <a:t>12/16/15</a:t>
             </a:fld>
             <a:endParaRPr lang="en-US"/>
           </a:p>
@@ -1213,7 +1213,7 @@
           <a:p>
             <a:fld id="{F3A4439B-FCAC-0540-BC1B-DAE173A0DB32}" type="datetimeFigureOut">
               <a:rPr lang="en-US" smtClean="0"/>
-              <a:t>10/14/15</a:t>
+              <a:t>12/16/15</a:t>
             </a:fld>
             <a:endParaRPr lang="en-US"/>
           </a:p>
@@ -1383,7 +1383,7 @@
           <a:p>
             <a:fld id="{F3A4439B-FCAC-0540-BC1B-DAE173A0DB32}" type="datetimeFigureOut">
               <a:rPr lang="en-US" smtClean="0"/>
-              <a:t>10/14/15</a:t>
+              <a:t>12/16/15</a:t>
             </a:fld>
             <a:endParaRPr lang="en-US"/>
           </a:p>
@@ -1627,7 +1627,7 @@
           <a:p>
             <a:fld id="{F3A4439B-FCAC-0540-BC1B-DAE173A0DB32}" type="datetimeFigureOut">
               <a:rPr lang="en-US" smtClean="0"/>
-              <a:t>10/14/15</a:t>
+              <a:t>12/16/15</a:t>
             </a:fld>
             <a:endParaRPr lang="en-US"/>
           </a:p>
@@ -1859,7 +1859,7 @@
           <a:p>
             <a:fld id="{F3A4439B-FCAC-0540-BC1B-DAE173A0DB32}" type="datetimeFigureOut">
               <a:rPr lang="en-US" smtClean="0"/>
-              <a:t>10/14/15</a:t>
+              <a:t>12/16/15</a:t>
             </a:fld>
             <a:endParaRPr lang="en-US"/>
           </a:p>
@@ -2226,7 +2226,7 @@
           <a:p>
             <a:fld id="{F3A4439B-FCAC-0540-BC1B-DAE173A0DB32}" type="datetimeFigureOut">
               <a:rPr lang="en-US" smtClean="0"/>
-              <a:t>10/14/15</a:t>
+              <a:t>12/16/15</a:t>
             </a:fld>
             <a:endParaRPr lang="en-US"/>
           </a:p>
@@ -2344,7 +2344,7 @@
           <a:p>
             <a:fld id="{F3A4439B-FCAC-0540-BC1B-DAE173A0DB32}" type="datetimeFigureOut">
               <a:rPr lang="en-US" smtClean="0"/>
-              <a:t>10/14/15</a:t>
+              <a:t>12/16/15</a:t>
             </a:fld>
             <a:endParaRPr lang="en-US"/>
           </a:p>
@@ -2439,7 +2439,7 @@
           <a:p>
             <a:fld id="{F3A4439B-FCAC-0540-BC1B-DAE173A0DB32}" type="datetimeFigureOut">
               <a:rPr lang="en-US" smtClean="0"/>
-              <a:t>10/14/15</a:t>
+              <a:t>12/16/15</a:t>
             </a:fld>
             <a:endParaRPr lang="en-US"/>
           </a:p>
@@ -2716,7 +2716,7 @@
           <a:p>
             <a:fld id="{F3A4439B-FCAC-0540-BC1B-DAE173A0DB32}" type="datetimeFigureOut">
               <a:rPr lang="en-US" smtClean="0"/>
-              <a:t>10/14/15</a:t>
+              <a:t>12/16/15</a:t>
             </a:fld>
             <a:endParaRPr lang="en-US"/>
           </a:p>
@@ -2973,7 +2973,7 @@
           <a:p>
             <a:fld id="{F3A4439B-FCAC-0540-BC1B-DAE173A0DB32}" type="datetimeFigureOut">
               <a:rPr lang="en-US" smtClean="0"/>
-              <a:t>10/14/15</a:t>
+              <a:t>12/16/15</a:t>
             </a:fld>
             <a:endParaRPr lang="en-US"/>
           </a:p>
@@ -3186,7 +3186,7 @@
           <a:p>
             <a:fld id="{F3A4439B-FCAC-0540-BC1B-DAE173A0DB32}" type="datetimeFigureOut">
               <a:rPr lang="en-US" smtClean="0"/>
-              <a:t>10/14/15</a:t>
+              <a:t>12/16/15</a:t>
             </a:fld>
             <a:endParaRPr lang="en-US"/>
           </a:p>
@@ -4401,7 +4401,7 @@
         <p:spPr>
           <a:xfrm>
             <a:off x="4512214" y="2077406"/>
-            <a:ext cx="4143633" cy="3231654"/>
+            <a:ext cx="4143633" cy="3416320"/>
           </a:xfrm>
           <a:prstGeom prst="rect">
             <a:avLst/>
@@ -4434,7 +4434,7 @@
             </a:pPr>
             <a:r>
               <a:rPr lang="en-US" sz="1200" dirty="0" smtClean="0"/>
-              <a:t>copy content of restart/</a:t>
+              <a:t>copy rainfall runoff model structure to input.</a:t>
             </a:r>
           </a:p>
           <a:p>
@@ -4444,7 +4444,7 @@
             </a:pPr>
             <a:r>
               <a:rPr lang="en-US" sz="1200" dirty="0" smtClean="0"/>
-              <a:t>data/processed/sub/*</a:t>
+              <a:t>generate observations </a:t>
             </a:r>
           </a:p>
           <a:p>
@@ -4454,7 +4454,17 @@
             </a:pPr>
             <a:r>
               <a:rPr lang="en-US" sz="1200" dirty="0" smtClean="0"/>
-              <a:t>Put it all to an </a:t>
+              <a:t>re-format observations</a:t>
+            </a:r>
+          </a:p>
+          <a:p>
+            <a:pPr marL="285750" indent="-285750">
+              <a:buFont typeface="Arial" charset="0"/>
+              <a:buChar char="•"/>
+            </a:pPr>
+            <a:r>
+              <a:rPr lang="en-US" sz="1200" dirty="0" smtClean="0"/>
+              <a:t>adapt time steps in </a:t>
             </a:r>
             <a:r>
               <a:rPr lang="en-US" sz="1200" dirty="0" err="1" smtClean="0"/>
@@ -4462,8 +4472,9 @@
             </a:r>
             <a:r>
               <a:rPr lang="en-US" sz="1200" dirty="0" smtClean="0"/>
-              <a:t> input directory</a:t>
-            </a:r>
+              <a:t> configuration files</a:t>
+            </a:r>
+            <a:endParaRPr lang="en-US" sz="1200" dirty="0" smtClean="0"/>
           </a:p>
           <a:p>
             <a:pPr marL="285750" indent="-285750">
@@ -4647,7 +4658,9 @@
         </p:nvSpPr>
         <p:spPr/>
         <p:txBody>
-          <a:bodyPr/>
+          <a:bodyPr>
+            <a:normAutofit lnSpcReduction="10000"/>
+          </a:bodyPr>
           <a:lstStyle/>
           <a:p>
             <a:pPr marL="0" indent="0">
@@ -4673,7 +4686,15 @@
             </a:r>
             <a:r>
               <a:rPr lang="en-US" dirty="0" smtClean="0"/>
-              <a:t>: read and write. must have.</a:t>
+              <a:t>: read and </a:t>
+            </a:r>
+            <a:r>
+              <a:rPr lang="en-US" dirty="0" smtClean="0"/>
+              <a:t>write of augmented state vector. </a:t>
+            </a:r>
+            <a:r>
+              <a:rPr lang="en-US" dirty="0" smtClean="0"/>
+              <a:t>must have.</a:t>
             </a:r>
           </a:p>
           <a:p>
@@ -4687,7 +4708,7 @@
             </a:r>
             <a:r>
               <a:rPr lang="en-US" dirty="0" smtClean="0"/>
-              <a:t>. initial states.</a:t>
+              <a:t>. initial states. Not implemented.</a:t>
             </a:r>
           </a:p>
           <a:p>
@@ -4709,17 +4730,27 @@
             </a:r>
             <a:r>
               <a:rPr lang="en-US" dirty="0" smtClean="0"/>
-              <a:t>. not implemented currently</a:t>
-            </a:r>
+              <a:t>. not implemented currently.</a:t>
+            </a:r>
+          </a:p>
+          <a:p>
             <a:r>
               <a:rPr lang="en-US" dirty="0" smtClean="0"/>
-              <a:t>.</a:t>
-            </a:r>
-          </a:p>
-          <a:p>
+              <a:t>observation reader (use </a:t>
+            </a:r>
+            <a:r>
+              <a:rPr lang="en-US" dirty="0" err="1" smtClean="0"/>
+              <a:t>noosTimeSeriesObserver</a:t>
+            </a:r>
             <a:r>
               <a:rPr lang="en-US" dirty="0" smtClean="0"/>
-              <a:t>observation reader</a:t>
+              <a:t>)</a:t>
+            </a:r>
+          </a:p>
+          <a:p>
+            <a:r>
+              <a:rPr lang="en-US" dirty="0" smtClean="0"/>
+              <a:t>time wrapper (modified RRMDA to write time steps)</a:t>
             </a:r>
             <a:endParaRPr lang="en-US" dirty="0" smtClean="0"/>
           </a:p>
@@ -4772,34 +4803,42 @@
           <a:p>
             <a:r>
               <a:rPr lang="en-US" dirty="0" smtClean="0"/>
-              <a:t>python set </a:t>
-            </a:r>
+              <a:t>python set up method</a:t>
+            </a:r>
+            <a:endParaRPr lang="en-US" dirty="0"/>
+          </a:p>
+        </p:txBody>
+      </p:sp>
+      <p:sp>
+        <p:nvSpPr>
+          <p:cNvPr id="3" name="Content Placeholder 2"/>
+          <p:cNvSpPr>
+            <a:spLocks noGrp="1"/>
+          </p:cNvSpPr>
+          <p:nvPr>
+            <p:ph idx="1"/>
+          </p:nvPr>
+        </p:nvSpPr>
+        <p:spPr/>
+        <p:txBody>
+          <a:bodyPr/>
+          <a:lstStyle/>
+          <a:p>
             <a:r>
               <a:rPr lang="en-US" dirty="0" smtClean="0"/>
-              <a:t>up method</a:t>
-            </a:r>
-            <a:endParaRPr lang="en-US" dirty="0"/>
-          </a:p>
-        </p:txBody>
-      </p:sp>
-      <p:sp>
-        <p:nvSpPr>
-          <p:cNvPr id="3" name="Content Placeholder 2"/>
-          <p:cNvSpPr>
-            <a:spLocks noGrp="1"/>
-          </p:cNvSpPr>
-          <p:nvPr>
-            <p:ph idx="1"/>
-          </p:nvPr>
-        </p:nvSpPr>
-        <p:spPr/>
-        <p:txBody>
-          <a:bodyPr/>
-          <a:lstStyle/>
-          <a:p>
+              <a:t>Copy </a:t>
+            </a:r>
             <a:r>
               <a:rPr lang="en-US" dirty="0" smtClean="0"/>
-              <a:t>Copy needed input files to input directory</a:t>
+              <a:t>model structure to </a:t>
+            </a:r>
+            <a:r>
+              <a:rPr lang="en-US" dirty="0" err="1" smtClean="0"/>
+              <a:t>openDA</a:t>
+            </a:r>
+            <a:r>
+              <a:rPr lang="en-US" dirty="0" smtClean="0"/>
+              <a:t> model input directory</a:t>
             </a:r>
             <a:endParaRPr lang="en-US" dirty="0"/>
           </a:p>
@@ -4814,7 +4853,11 @@
             </a:r>
             <a:r>
               <a:rPr lang="en-US" dirty="0" smtClean="0"/>
-              <a:t> in </a:t>
+              <a:t> </a:t>
+            </a:r>
+            <a:r>
+              <a:rPr lang="en-US" dirty="0" smtClean="0"/>
+              <a:t>and result file name in </a:t>
             </a:r>
             <a:r>
               <a:rPr lang="en-US" dirty="0" err="1"/>
@@ -4840,11 +4883,54 @@
             </a:r>
             <a:r>
               <a:rPr lang="en-US" dirty="0" smtClean="0"/>
-              <a:t>) to observer and rewrite </a:t>
-            </a:r>
-            <a:r>
-              <a:rPr lang="en-US" smtClean="0"/>
-              <a:t>the configuration file. </a:t>
+              <a:t>) to </a:t>
+            </a:r>
+            <a:r>
+              <a:rPr lang="en-US" dirty="0" smtClean="0"/>
+              <a:t>observer, reformat input, generate observations if needed, </a:t>
+            </a:r>
+            <a:r>
+              <a:rPr lang="en-US" dirty="0" smtClean="0"/>
+              <a:t>and rewrite the configuration file. </a:t>
+            </a:r>
+            <a:endParaRPr lang="en-US" dirty="0" smtClean="0"/>
+          </a:p>
+          <a:p>
+            <a:r>
+              <a:rPr lang="en-US" dirty="0" smtClean="0"/>
+              <a:t>Within </a:t>
+            </a:r>
+            <a:r>
+              <a:rPr lang="en-US" dirty="0" err="1" smtClean="0"/>
+              <a:t>openDA</a:t>
+            </a:r>
+            <a:r>
+              <a:rPr lang="en-US" dirty="0" smtClean="0"/>
+              <a:t> (</a:t>
+            </a:r>
+            <a:r>
+              <a:rPr lang="en-US" dirty="0" err="1" smtClean="0"/>
+              <a:t>matlab_batcher</a:t>
+            </a:r>
+            <a:r>
+              <a:rPr lang="en-US" dirty="0" smtClean="0"/>
+              <a:t>) adapt </a:t>
+            </a:r>
+            <a:r>
+              <a:rPr lang="en-US" dirty="0" err="1" smtClean="0"/>
+              <a:t>setup.mat</a:t>
+            </a:r>
+            <a:r>
+              <a:rPr lang="en-US" dirty="0" smtClean="0"/>
+              <a:t> for each </a:t>
+            </a:r>
+            <a:r>
+              <a:rPr lang="en-US" dirty="0" err="1" smtClean="0"/>
+              <a:t>openDA</a:t>
+            </a:r>
+            <a:r>
+              <a:rPr lang="en-US" dirty="0" smtClean="0"/>
+              <a:t> working directory.</a:t>
             </a:r>
             <a:endParaRPr lang="en-US" dirty="0"/>
           </a:p>
@@ -4897,11 +4983,7 @@
           <a:p>
             <a:r>
               <a:rPr lang="en-US" dirty="0" smtClean="0"/>
-              <a:t>clean up </a:t>
-            </a:r>
-            <a:r>
-              <a:rPr lang="en-US" dirty="0" smtClean="0"/>
-              <a:t>method, possibly call from within </a:t>
+              <a:t>clean up method, possibly call from within </a:t>
             </a:r>
             <a:r>
               <a:rPr lang="en-US" dirty="0" err="1" smtClean="0"/>
@@ -4932,11 +5014,15 @@
             </a:r>
             <a:r>
               <a:rPr lang="en-US" dirty="0" err="1" smtClean="0"/>
-              <a:t>E.mat</a:t>
+              <a:t>E_oda.mat</a:t>
             </a:r>
             <a:r>
               <a:rPr lang="en-US" dirty="0" smtClean="0"/>
-              <a:t> from all </a:t>
+              <a:t> </a:t>
+            </a:r>
+            <a:r>
+              <a:rPr lang="en-US" dirty="0" smtClean="0"/>
+              <a:t>from all </a:t>
             </a:r>
             <a:r>
               <a:rPr lang="en-US" dirty="0" err="1" smtClean="0"/>
@@ -4953,6 +5039,50 @@
             <a:r>
               <a:rPr lang="en-US" dirty="0" smtClean="0"/>
               <a:t>.</a:t>
+            </a:r>
+          </a:p>
+          <a:p>
+            <a:r>
+              <a:rPr lang="en-US" dirty="0" smtClean="0"/>
+              <a:t>Do the same for </a:t>
+            </a:r>
+          </a:p>
+          <a:p>
+            <a:pPr lvl="1"/>
+            <a:r>
+              <a:rPr lang="en-US" dirty="0" smtClean="0"/>
+              <a:t>results/</a:t>
+            </a:r>
+            <a:r>
+              <a:rPr lang="en-US" dirty="0" err="1" smtClean="0"/>
+              <a:t>nowcast</a:t>
+            </a:r>
+            <a:endParaRPr lang="en-US" dirty="0" smtClean="0"/>
+          </a:p>
+          <a:p>
+            <a:pPr lvl="1"/>
+            <a:r>
+              <a:rPr lang="en-US" dirty="0" smtClean="0"/>
+              <a:t>results/forecast/*</a:t>
+            </a:r>
+          </a:p>
+          <a:p>
+            <a:pPr lvl="1"/>
+            <a:r>
+              <a:rPr lang="en-US" dirty="0" smtClean="0"/>
+              <a:t>data/processed/</a:t>
+            </a:r>
+            <a:r>
+              <a:rPr lang="en-US" dirty="0" err="1" smtClean="0"/>
+              <a:t>db</a:t>
+            </a:r>
+            <a:endParaRPr lang="en-US" dirty="0" smtClean="0"/>
+          </a:p>
+          <a:p>
+            <a:pPr lvl="1"/>
+            <a:r>
+              <a:rPr lang="en-US" dirty="0" smtClean="0"/>
+              <a:t>data/processed/sub</a:t>
             </a:r>
             <a:endParaRPr lang="en-US" dirty="0"/>
           </a:p>
